--- a/assets/grabcut.pptx
+++ b/assets/grabcut.pptx
@@ -5,7 +5,8 @@
     <p:sldMasterId id="2147483648" r:id="rId1"/>
   </p:sldMasterIdLst>
   <p:sldIdLst>
-    <p:sldId id="256" r:id="rId2"/>
+    <p:sldId id="257" r:id="rId2"/>
+    <p:sldId id="256" r:id="rId3"/>
   </p:sldIdLst>
   <p:sldSz cx="12192000" cy="6858000"/>
   <p:notesSz cx="6858000" cy="9144000"/>
@@ -104,6 +105,11 @@
       </a:defRPr>
     </a:lvl9pPr>
   </p:defaultTextStyle>
+  <p:extLst>
+    <p:ext uri="{EFAFB233-063F-42B5-8137-9DF3F51BA10A}">
+      <p15:sldGuideLst xmlns:p15="http://schemas.microsoft.com/office/powerpoint/2012/main"/>
+    </p:ext>
+  </p:extLst>
 </p:presentation>
 </file>
 
@@ -254,7 +260,7 @@
           <a:p>
             <a:fld id="{33F6C168-118C-FB43-92D8-3574C6912A9E}" type="datetimeFigureOut">
               <a:rPr lang="en-US" smtClean="0"/>
-              <a:t>8/2/18</a:t>
+              <a:t>5/24/20</a:t>
             </a:fld>
             <a:endParaRPr lang="en-US"/>
           </a:p>
@@ -452,7 +458,7 @@
           <a:p>
             <a:fld id="{33F6C168-118C-FB43-92D8-3574C6912A9E}" type="datetimeFigureOut">
               <a:rPr lang="en-US" smtClean="0"/>
-              <a:t>8/2/18</a:t>
+              <a:t>5/24/20</a:t>
             </a:fld>
             <a:endParaRPr lang="en-US"/>
           </a:p>
@@ -660,7 +666,7 @@
           <a:p>
             <a:fld id="{33F6C168-118C-FB43-92D8-3574C6912A9E}" type="datetimeFigureOut">
               <a:rPr lang="en-US" smtClean="0"/>
-              <a:t>8/2/18</a:t>
+              <a:t>5/24/20</a:t>
             </a:fld>
             <a:endParaRPr lang="en-US"/>
           </a:p>
@@ -858,7 +864,7 @@
           <a:p>
             <a:fld id="{33F6C168-118C-FB43-92D8-3574C6912A9E}" type="datetimeFigureOut">
               <a:rPr lang="en-US" smtClean="0"/>
-              <a:t>8/2/18</a:t>
+              <a:t>5/24/20</a:t>
             </a:fld>
             <a:endParaRPr lang="en-US"/>
           </a:p>
@@ -1133,7 +1139,7 @@
           <a:p>
             <a:fld id="{33F6C168-118C-FB43-92D8-3574C6912A9E}" type="datetimeFigureOut">
               <a:rPr lang="en-US" smtClean="0"/>
-              <a:t>8/2/18</a:t>
+              <a:t>5/24/20</a:t>
             </a:fld>
             <a:endParaRPr lang="en-US"/>
           </a:p>
@@ -1398,7 +1404,7 @@
           <a:p>
             <a:fld id="{33F6C168-118C-FB43-92D8-3574C6912A9E}" type="datetimeFigureOut">
               <a:rPr lang="en-US" smtClean="0"/>
-              <a:t>8/2/18</a:t>
+              <a:t>5/24/20</a:t>
             </a:fld>
             <a:endParaRPr lang="en-US"/>
           </a:p>
@@ -1810,7 +1816,7 @@
           <a:p>
             <a:fld id="{33F6C168-118C-FB43-92D8-3574C6912A9E}" type="datetimeFigureOut">
               <a:rPr lang="en-US" smtClean="0"/>
-              <a:t>8/2/18</a:t>
+              <a:t>5/24/20</a:t>
             </a:fld>
             <a:endParaRPr lang="en-US"/>
           </a:p>
@@ -1951,7 +1957,7 @@
           <a:p>
             <a:fld id="{33F6C168-118C-FB43-92D8-3574C6912A9E}" type="datetimeFigureOut">
               <a:rPr lang="en-US" smtClean="0"/>
-              <a:t>8/2/18</a:t>
+              <a:t>5/24/20</a:t>
             </a:fld>
             <a:endParaRPr lang="en-US"/>
           </a:p>
@@ -2064,7 +2070,7 @@
           <a:p>
             <a:fld id="{33F6C168-118C-FB43-92D8-3574C6912A9E}" type="datetimeFigureOut">
               <a:rPr lang="en-US" smtClean="0"/>
-              <a:t>8/2/18</a:t>
+              <a:t>5/24/20</a:t>
             </a:fld>
             <a:endParaRPr lang="en-US"/>
           </a:p>
@@ -2375,7 +2381,7 @@
           <a:p>
             <a:fld id="{33F6C168-118C-FB43-92D8-3574C6912A9E}" type="datetimeFigureOut">
               <a:rPr lang="en-US" smtClean="0"/>
-              <a:t>8/2/18</a:t>
+              <a:t>5/24/20</a:t>
             </a:fld>
             <a:endParaRPr lang="en-US"/>
           </a:p>
@@ -2663,7 +2669,7 @@
           <a:p>
             <a:fld id="{33F6C168-118C-FB43-92D8-3574C6912A9E}" type="datetimeFigureOut">
               <a:rPr lang="en-US" smtClean="0"/>
-              <a:t>8/2/18</a:t>
+              <a:t>5/24/20</a:t>
             </a:fld>
             <a:endParaRPr lang="en-US"/>
           </a:p>
@@ -2904,7 +2910,7 @@
           <a:p>
             <a:fld id="{33F6C168-118C-FB43-92D8-3574C6912A9E}" type="datetimeFigureOut">
               <a:rPr lang="en-US" smtClean="0"/>
-              <a:t>8/2/18</a:t>
+              <a:t>5/24/20</a:t>
             </a:fld>
             <a:endParaRPr lang="en-US"/>
           </a:p>
@@ -3305,6 +3311,282 @@
 </file>
 
 <file path=ppt/slides/slide1.xml><?xml version="1.0" encoding="utf-8"?>
+<p:sld xmlns:a="http://schemas.openxmlformats.org/drawingml/2006/main" xmlns:r="http://schemas.openxmlformats.org/officeDocument/2006/relationships" xmlns:p="http://schemas.openxmlformats.org/presentationml/2006/main">
+  <p:cSld>
+    <p:spTree>
+      <p:nvGrpSpPr>
+        <p:cNvPr id="1" name=""/>
+        <p:cNvGrpSpPr/>
+        <p:nvPr/>
+      </p:nvGrpSpPr>
+      <p:grpSpPr>
+        <a:xfrm>
+          <a:off x="0" y="0"/>
+          <a:ext cx="0" cy="0"/>
+          <a:chOff x="0" y="0"/>
+          <a:chExt cx="0" cy="0"/>
+        </a:xfrm>
+      </p:grpSpPr>
+      <p:sp>
+        <p:nvSpPr>
+          <p:cNvPr id="10" name="Rectangle 9">
+            <a:extLst>
+              <a:ext uri="{FF2B5EF4-FFF2-40B4-BE49-F238E27FC236}">
+                <a16:creationId xmlns:a16="http://schemas.microsoft.com/office/drawing/2014/main" id="{FFC83391-5244-DD4B-8220-F2B1AC1E1983}"/>
+              </a:ext>
+            </a:extLst>
+          </p:cNvPr>
+          <p:cNvSpPr/>
+          <p:nvPr/>
+        </p:nvSpPr>
+        <p:spPr>
+          <a:xfrm>
+            <a:off x="5584371" y="3253325"/>
+            <a:ext cx="3543299" cy="2906485"/>
+          </a:xfrm>
+          <a:prstGeom prst="rect">
+            <a:avLst/>
+          </a:prstGeom>
+          <a:solidFill>
+            <a:schemeClr val="bg1"/>
+          </a:solidFill>
+          <a:ln>
+            <a:noFill/>
+          </a:ln>
+        </p:spPr>
+        <p:style>
+          <a:lnRef idx="2">
+            <a:schemeClr val="accent1">
+              <a:shade val="50000"/>
+            </a:schemeClr>
+          </a:lnRef>
+          <a:fillRef idx="1">
+            <a:schemeClr val="accent1"/>
+          </a:fillRef>
+          <a:effectRef idx="0">
+            <a:schemeClr val="accent1"/>
+          </a:effectRef>
+          <a:fontRef idx="minor">
+            <a:schemeClr val="lt1"/>
+          </a:fontRef>
+        </p:style>
+        <p:txBody>
+          <a:bodyPr rtlCol="0" anchor="ctr"/>
+          <a:lstStyle/>
+          <a:p>
+            <a:pPr algn="ctr"/>
+            <a:endParaRPr lang="en-US"/>
+          </a:p>
+        </p:txBody>
+      </p:sp>
+      <p:sp>
+        <p:nvSpPr>
+          <p:cNvPr id="9" name="Rectangle 8">
+            <a:extLst>
+              <a:ext uri="{FF2B5EF4-FFF2-40B4-BE49-F238E27FC236}">
+                <a16:creationId xmlns:a16="http://schemas.microsoft.com/office/drawing/2014/main" id="{72F56F72-C2D9-C542-A412-6D988544B951}"/>
+              </a:ext>
+            </a:extLst>
+          </p:cNvPr>
+          <p:cNvSpPr/>
+          <p:nvPr/>
+        </p:nvSpPr>
+        <p:spPr>
+          <a:xfrm>
+            <a:off x="473528" y="3253325"/>
+            <a:ext cx="3543299" cy="2906485"/>
+          </a:xfrm>
+          <a:prstGeom prst="rect">
+            <a:avLst/>
+          </a:prstGeom>
+          <a:solidFill>
+            <a:schemeClr val="bg1"/>
+          </a:solidFill>
+          <a:ln>
+            <a:noFill/>
+          </a:ln>
+        </p:spPr>
+        <p:style>
+          <a:lnRef idx="2">
+            <a:schemeClr val="accent1">
+              <a:shade val="50000"/>
+            </a:schemeClr>
+          </a:lnRef>
+          <a:fillRef idx="1">
+            <a:schemeClr val="accent1"/>
+          </a:fillRef>
+          <a:effectRef idx="0">
+            <a:schemeClr val="accent1"/>
+          </a:effectRef>
+          <a:fontRef idx="minor">
+            <a:schemeClr val="lt1"/>
+          </a:fontRef>
+        </p:style>
+        <p:txBody>
+          <a:bodyPr rtlCol="0" anchor="ctr"/>
+          <a:lstStyle/>
+          <a:p>
+            <a:pPr algn="ctr"/>
+            <a:endParaRPr lang="en-US"/>
+          </a:p>
+        </p:txBody>
+      </p:sp>
+      <p:pic>
+        <p:nvPicPr>
+          <p:cNvPr id="7" name="Picture 6">
+            <a:extLst>
+              <a:ext uri="{FF2B5EF4-FFF2-40B4-BE49-F238E27FC236}">
+                <a16:creationId xmlns:a16="http://schemas.microsoft.com/office/drawing/2014/main" id="{AB1D1249-3F31-6640-8140-4733ED5EF19F}"/>
+              </a:ext>
+            </a:extLst>
+          </p:cNvPr>
+          <p:cNvPicPr>
+            <a:picLocks noChangeAspect="1"/>
+          </p:cNvPicPr>
+          <p:nvPr/>
+        </p:nvPicPr>
+        <p:blipFill rotWithShape="1">
+          <a:blip r:embed="rId2">
+            <a:alphaModFix/>
+          </a:blip>
+          <a:srcRect l="8854" r="6963"/>
+          <a:stretch/>
+        </p:blipFill>
+        <p:spPr>
+          <a:xfrm>
+            <a:off x="914702" y="3471946"/>
+            <a:ext cx="2726267" cy="2501900"/>
+          </a:xfrm>
+          <a:prstGeom prst="rect">
+            <a:avLst/>
+          </a:prstGeom>
+        </p:spPr>
+      </p:pic>
+      <p:pic>
+        <p:nvPicPr>
+          <p:cNvPr id="4" name="Picture 3">
+            <a:extLst>
+              <a:ext uri="{FF2B5EF4-FFF2-40B4-BE49-F238E27FC236}">
+                <a16:creationId xmlns:a16="http://schemas.microsoft.com/office/drawing/2014/main" id="{A531A8A4-70DF-9640-A703-7525DD81D3F6}"/>
+              </a:ext>
+            </a:extLst>
+          </p:cNvPr>
+          <p:cNvPicPr>
+            <a:picLocks noChangeAspect="1"/>
+          </p:cNvPicPr>
+          <p:nvPr/>
+        </p:nvPicPr>
+        <p:blipFill>
+          <a:blip r:embed="rId3"/>
+          <a:stretch>
+            <a:fillRect/>
+          </a:stretch>
+        </p:blipFill>
+        <p:spPr>
+          <a:xfrm>
+            <a:off x="5736770" y="3436567"/>
+            <a:ext cx="3238500" cy="2540000"/>
+          </a:xfrm>
+          <a:prstGeom prst="rect">
+            <a:avLst/>
+          </a:prstGeom>
+        </p:spPr>
+      </p:pic>
+      <p:sp>
+        <p:nvSpPr>
+          <p:cNvPr id="2" name="TextBox 1">
+            <a:extLst>
+              <a:ext uri="{FF2B5EF4-FFF2-40B4-BE49-F238E27FC236}">
+                <a16:creationId xmlns:a16="http://schemas.microsoft.com/office/drawing/2014/main" id="{67E6B399-4BC6-2E4D-AD60-74AEB7BCE276}"/>
+              </a:ext>
+            </a:extLst>
+          </p:cNvPr>
+          <p:cNvSpPr txBox="1"/>
+          <p:nvPr/>
+        </p:nvSpPr>
+        <p:spPr>
+          <a:xfrm>
+            <a:off x="5747660" y="3437331"/>
+            <a:ext cx="947695" cy="461665"/>
+          </a:xfrm>
+          <a:prstGeom prst="rect">
+            <a:avLst/>
+          </a:prstGeom>
+          <a:noFill/>
+        </p:spPr>
+        <p:txBody>
+          <a:bodyPr wrap="none" rtlCol="0">
+            <a:spAutoFit/>
+          </a:bodyPr>
+          <a:lstStyle/>
+          <a:p>
+            <a:r>
+              <a:rPr lang="en-US" sz="2400" dirty="0">
+                <a:solidFill>
+                  <a:schemeClr val="bg1"/>
+                </a:solidFill>
+                <a:latin typeface="Open Sans" panose="020B0606030504020204" pitchFamily="34" charset="0"/>
+                <a:ea typeface="Open Sans" panose="020B0606030504020204" pitchFamily="34" charset="0"/>
+                <a:cs typeface="Open Sans" panose="020B0606030504020204" pitchFamily="34" charset="0"/>
+              </a:rPr>
+              <a:t>Input</a:t>
+            </a:r>
+          </a:p>
+        </p:txBody>
+      </p:sp>
+      <p:sp>
+        <p:nvSpPr>
+          <p:cNvPr id="8" name="TextBox 7">
+            <a:extLst>
+              <a:ext uri="{FF2B5EF4-FFF2-40B4-BE49-F238E27FC236}">
+                <a16:creationId xmlns:a16="http://schemas.microsoft.com/office/drawing/2014/main" id="{FAECC624-1CFB-1048-8457-6A841C8F5A81}"/>
+              </a:ext>
+            </a:extLst>
+          </p:cNvPr>
+          <p:cNvSpPr txBox="1"/>
+          <p:nvPr/>
+        </p:nvSpPr>
+        <p:spPr>
+          <a:xfrm>
+            <a:off x="636818" y="3437331"/>
+            <a:ext cx="1210588" cy="461665"/>
+          </a:xfrm>
+          <a:prstGeom prst="rect">
+            <a:avLst/>
+          </a:prstGeom>
+          <a:noFill/>
+        </p:spPr>
+        <p:txBody>
+          <a:bodyPr wrap="none" rtlCol="0">
+            <a:spAutoFit/>
+          </a:bodyPr>
+          <a:lstStyle/>
+          <a:p>
+            <a:r>
+              <a:rPr lang="en-US" sz="2400" dirty="0">
+                <a:latin typeface="Open Sans" panose="020B0606030504020204" pitchFamily="34" charset="0"/>
+                <a:ea typeface="Open Sans" panose="020B0606030504020204" pitchFamily="34" charset="0"/>
+                <a:cs typeface="Open Sans" panose="020B0606030504020204" pitchFamily="34" charset="0"/>
+              </a:rPr>
+              <a:t>Output</a:t>
+            </a:r>
+          </a:p>
+        </p:txBody>
+      </p:sp>
+    </p:spTree>
+    <p:extLst>
+      <p:ext uri="{BB962C8B-B14F-4D97-AF65-F5344CB8AC3E}">
+        <p14:creationId xmlns:p14="http://schemas.microsoft.com/office/powerpoint/2010/main" val="1232003805"/>
+      </p:ext>
+    </p:extLst>
+  </p:cSld>
+  <p:clrMapOvr>
+    <a:masterClrMapping/>
+  </p:clrMapOvr>
+</p:sld>
+</file>
+
+<file path=ppt/slides/slide2.xml><?xml version="1.0" encoding="utf-8"?>
 <p:sld xmlns:a="http://schemas.openxmlformats.org/drawingml/2006/main" xmlns:r="http://schemas.openxmlformats.org/officeDocument/2006/relationships" xmlns:p="http://schemas.openxmlformats.org/presentationml/2006/main">
   <p:cSld>
     <p:spTree>
